--- a/KNN_Tutorial_Slides.pptx
+++ b/KNN_Tutorial_Slides.pptx
@@ -17,6 +17,7 @@
     <p:sldId id="262" r:id="rId11"/>
     <p:sldId id="263" r:id="rId12"/>
     <p:sldId id="267" r:id="rId13"/>
+    <p:sldId id="268" r:id="rId14"/>
   </p:sldIdLst>
   <p:sldSz cx="9144000" cy="6858000" type="screen4x3"/>
   <p:notesSz cx="6858000" cy="9144000"/>
@@ -3866,8 +3867,17 @@
           <a:lstStyle/>
           <a:p>
             <a:r>
+              <a:rPr dirty="0"/>
               <a:t>A Machine Learning Tutorial</a:t>
             </a:r>
+            <a:endParaRPr lang="en-US" dirty="0"/>
+          </a:p>
+          <a:p>
+            <a:r>
+              <a:rPr lang="en-US" dirty="0"/>
+              <a:t>Syed Abbas Ali Safdar</a:t>
+            </a:r>
+            <a:endParaRPr dirty="0"/>
           </a:p>
         </p:txBody>
       </p:sp>
@@ -4216,6 +4226,97 @@
     <p:extLst>
       <p:ext uri="{BB962C8B-B14F-4D97-AF65-F5344CB8AC3E}">
         <p14:creationId xmlns:p14="http://schemas.microsoft.com/office/powerpoint/2010/main" val="4261087916"/>
+      </p:ext>
+    </p:extLst>
+  </p:cSld>
+  <p:clrMapOvr>
+    <a:masterClrMapping/>
+  </p:clrMapOvr>
+</p:sld>
+</file>
+
+<file path=ppt/slides/slide13.xml><?xml version="1.0" encoding="utf-8"?>
+<p:sld xmlns:a="http://schemas.openxmlformats.org/drawingml/2006/main" xmlns:r="http://schemas.openxmlformats.org/officeDocument/2006/relationships" xmlns:p="http://schemas.openxmlformats.org/presentationml/2006/main">
+  <p:cSld>
+    <p:spTree>
+      <p:nvGrpSpPr>
+        <p:cNvPr id="1" name=""/>
+        <p:cNvGrpSpPr/>
+        <p:nvPr/>
+      </p:nvGrpSpPr>
+      <p:grpSpPr>
+        <a:xfrm>
+          <a:off x="0" y="0"/>
+          <a:ext cx="0" cy="0"/>
+          <a:chOff x="0" y="0"/>
+          <a:chExt cx="0" cy="0"/>
+        </a:xfrm>
+      </p:grpSpPr>
+      <p:sp>
+        <p:nvSpPr>
+          <p:cNvPr id="2" name="Title 1">
+            <a:extLst>
+              <a:ext uri="{FF2B5EF4-FFF2-40B4-BE49-F238E27FC236}">
+                <a16:creationId xmlns:a16="http://schemas.microsoft.com/office/drawing/2014/main" id="{C49BBC16-DEC3-89C8-49FE-FEB9766FE55F}"/>
+              </a:ext>
+            </a:extLst>
+          </p:cNvPr>
+          <p:cNvSpPr>
+            <a:spLocks noGrp="1"/>
+          </p:cNvSpPr>
+          <p:nvPr>
+            <p:ph type="title"/>
+          </p:nvPr>
+        </p:nvSpPr>
+        <p:spPr/>
+        <p:txBody>
+          <a:bodyPr/>
+          <a:lstStyle/>
+          <a:p>
+            <a:r>
+              <a:rPr lang="en-US" dirty="0" err="1"/>
+              <a:t>Github</a:t>
+            </a:r>
+            <a:r>
+              <a:rPr lang="en-US" dirty="0"/>
+              <a:t> Link</a:t>
+            </a:r>
+            <a:endParaRPr lang="en-GB" dirty="0"/>
+          </a:p>
+        </p:txBody>
+      </p:sp>
+      <p:sp>
+        <p:nvSpPr>
+          <p:cNvPr id="3" name="Content Placeholder 2">
+            <a:extLst>
+              <a:ext uri="{FF2B5EF4-FFF2-40B4-BE49-F238E27FC236}">
+                <a16:creationId xmlns:a16="http://schemas.microsoft.com/office/drawing/2014/main" id="{6EA1E2E9-D622-600E-BFAF-885FF3EF933D}"/>
+              </a:ext>
+            </a:extLst>
+          </p:cNvPr>
+          <p:cNvSpPr>
+            <a:spLocks noGrp="1"/>
+          </p:cNvSpPr>
+          <p:nvPr>
+            <p:ph idx="1"/>
+          </p:nvPr>
+        </p:nvSpPr>
+        <p:spPr/>
+        <p:txBody>
+          <a:bodyPr/>
+          <a:lstStyle/>
+          <a:p>
+            <a:r>
+              <a:rPr lang="en-GB" dirty="0"/>
+              <a:t>https://github.com/Abbas12u/MachineleariningKNN</a:t>
+            </a:r>
+          </a:p>
+        </p:txBody>
+      </p:sp>
+    </p:spTree>
+    <p:extLst>
+      <p:ext uri="{BB962C8B-B14F-4D97-AF65-F5344CB8AC3E}">
+        <p14:creationId xmlns:p14="http://schemas.microsoft.com/office/powerpoint/2010/main" val="1008652628"/>
       </p:ext>
     </p:extLst>
   </p:cSld>
@@ -4280,15 +4381,7 @@
           <a:p>
             <a:r>
               <a:rPr dirty="0"/>
-              <a:t>K-Nearest </a:t>
-            </a:r>
-            <a:r>
-              <a:rPr dirty="0" err="1"/>
-              <a:t>Neighbours</a:t>
-            </a:r>
-            <a:r>
-              <a:rPr dirty="0"/>
-              <a:t> is a simple yet powerful classification algorithm.</a:t>
+              <a:t>K-Nearest Neighbors is a simple yet powerful classification algorithm.</a:t>
             </a:r>
           </a:p>
           <a:p>
@@ -5362,6 +5455,7 @@
           <a:lstStyle/>
           <a:p>
             <a:r>
+              <a:rPr dirty="0"/>
               <a:t>Why Feature Scaling Matters</a:t>
             </a:r>
           </a:p>
